--- a/Useful_material/Excercises_in_Finnish.pptx
+++ b/Useful_material/Excercises_in_Finnish.pptx
@@ -171,6 +171,38 @@
     </pc:docChg>
   </pc:docChgLst>
   <pc:docChgLst>
+    <pc:chgData name="Miika Mäki" userId="1efa91841ca29674" providerId="LiveId" clId="{98FAA534-8D99-4D83-BDC8-6BD70752C99B}"/>
+    <pc:docChg chg="custSel modSld">
+      <pc:chgData name="Miika Mäki" userId="1efa91841ca29674" providerId="LiveId" clId="{98FAA534-8D99-4D83-BDC8-6BD70752C99B}" dt="2023-11-23T10:03:58.421" v="47" actId="20577"/>
+      <pc:docMkLst>
+        <pc:docMk/>
+      </pc:docMkLst>
+      <pc:sldChg chg="modSp mod">
+        <pc:chgData name="Miika Mäki" userId="1efa91841ca29674" providerId="LiveId" clId="{98FAA534-8D99-4D83-BDC8-6BD70752C99B}" dt="2023-11-23T10:03:58.421" v="47" actId="20577"/>
+        <pc:sldMkLst>
+          <pc:docMk/>
+          <pc:sldMk cId="2992233333" sldId="258"/>
+        </pc:sldMkLst>
+        <pc:spChg chg="mod">
+          <ac:chgData name="Miika Mäki" userId="1efa91841ca29674" providerId="LiveId" clId="{98FAA534-8D99-4D83-BDC8-6BD70752C99B}" dt="2023-11-23T10:03:56.010" v="46" actId="20577"/>
+          <ac:spMkLst>
+            <pc:docMk/>
+            <pc:sldMk cId="2992233333" sldId="258"/>
+            <ac:spMk id="8" creationId="{D844DA20-EBEF-4E4C-B29A-5CC5329EBB4F}"/>
+          </ac:spMkLst>
+        </pc:spChg>
+        <pc:spChg chg="mod">
+          <ac:chgData name="Miika Mäki" userId="1efa91841ca29674" providerId="LiveId" clId="{98FAA534-8D99-4D83-BDC8-6BD70752C99B}" dt="2023-11-23T10:03:58.421" v="47" actId="20577"/>
+          <ac:spMkLst>
+            <pc:docMk/>
+            <pc:sldMk cId="2992233333" sldId="258"/>
+            <ac:spMk id="15" creationId="{D6A4B798-622E-4327-8DC3-2F9FA477F4F1}"/>
+          </ac:spMkLst>
+        </pc:spChg>
+      </pc:sldChg>
+    </pc:docChg>
+  </pc:docChgLst>
+  <pc:docChgLst>
     <pc:chgData name="Miika S Mäki" userId="0607e178-1540-43e7-97f4-ff67750a6258" providerId="ADAL" clId="{79E1FF66-8589-4620-A62E-29F7E28CA5A5}"/>
     <pc:docChg chg="undo custSel modSld">
       <pc:chgData name="Miika S Mäki" userId="0607e178-1540-43e7-97f4-ff67750a6258" providerId="ADAL" clId="{79E1FF66-8589-4620-A62E-29F7E28CA5A5}" dt="2019-12-11T14:18:49.297" v="510" actId="20577"/>
@@ -446,7 +478,7 @@
             <a:fld id="{87DE6118-2437-4B30-8E3C-4D2BE6020583}" type="datetimeFigureOut">
               <a:rPr lang="en-US" dirty="0"/>
               <a:pPr/>
-              <a:t>10/27/2021</a:t>
+              <a:t>11/23/2023</a:t>
             </a:fld>
             <a:endParaRPr lang="en-US" dirty="0"/>
           </a:p>
@@ -772,7 +804,7 @@
           <a:p>
             <a:fld id="{87DE6118-2437-4B30-8E3C-4D2BE6020583}" type="datetimeFigureOut">
               <a:rPr lang="en-US" dirty="0"/>
-              <a:t>10/27/2021</a:t>
+              <a:t>11/23/2023</a:t>
             </a:fld>
             <a:endParaRPr lang="en-US" dirty="0"/>
           </a:p>
@@ -947,7 +979,7 @@
           <a:p>
             <a:fld id="{87DE6118-2437-4B30-8E3C-4D2BE6020583}" type="datetimeFigureOut">
               <a:rPr lang="en-US" dirty="0"/>
-              <a:t>10/27/2021</a:t>
+              <a:t>11/23/2023</a:t>
             </a:fld>
             <a:endParaRPr lang="en-US" dirty="0"/>
           </a:p>
@@ -1112,7 +1144,7 @@
           <a:p>
             <a:fld id="{87DE6118-2437-4B30-8E3C-4D2BE6020583}" type="datetimeFigureOut">
               <a:rPr lang="en-US" dirty="0"/>
-              <a:t>10/27/2021</a:t>
+              <a:t>11/23/2023</a:t>
             </a:fld>
             <a:endParaRPr lang="en-US" dirty="0"/>
           </a:p>
@@ -1385,7 +1417,7 @@
             <a:fld id="{87DE6118-2437-4B30-8E3C-4D2BE6020583}" type="datetimeFigureOut">
               <a:rPr lang="en-US" dirty="0"/>
               <a:pPr/>
-              <a:t>10/27/2021</a:t>
+              <a:t>11/23/2023</a:t>
             </a:fld>
             <a:endParaRPr lang="en-US" dirty="0"/>
           </a:p>
@@ -1775,7 +1807,7 @@
           <a:p>
             <a:fld id="{87DE6118-2437-4B30-8E3C-4D2BE6020583}" type="datetimeFigureOut">
               <a:rPr lang="en-US" dirty="0"/>
-              <a:t>10/27/2021</a:t>
+              <a:t>11/23/2023</a:t>
             </a:fld>
             <a:endParaRPr lang="en-US" dirty="0"/>
           </a:p>
@@ -2247,7 +2279,7 @@
           <a:p>
             <a:fld id="{87DE6118-2437-4B30-8E3C-4D2BE6020583}" type="datetimeFigureOut">
               <a:rPr lang="en-US" dirty="0"/>
-              <a:t>10/27/2021</a:t>
+              <a:t>11/23/2023</a:t>
             </a:fld>
             <a:endParaRPr lang="en-US" dirty="0"/>
           </a:p>
@@ -2360,7 +2392,7 @@
           <a:p>
             <a:fld id="{87DE6118-2437-4B30-8E3C-4D2BE6020583}" type="datetimeFigureOut">
               <a:rPr lang="en-US" dirty="0"/>
-              <a:t>10/27/2021</a:t>
+              <a:t>11/23/2023</a:t>
             </a:fld>
             <a:endParaRPr lang="en-US" dirty="0"/>
           </a:p>
@@ -2450,7 +2482,7 @@
           <a:p>
             <a:fld id="{87DE6118-2437-4B30-8E3C-4D2BE6020583}" type="datetimeFigureOut">
               <a:rPr lang="en-US" dirty="0"/>
-              <a:t>10/27/2021</a:t>
+              <a:t>11/23/2023</a:t>
             </a:fld>
             <a:endParaRPr lang="en-US" dirty="0"/>
           </a:p>
@@ -2792,7 +2824,7 @@
             <a:fld id="{87DE6118-2437-4B30-8E3C-4D2BE6020583}" type="datetimeFigureOut">
               <a:rPr lang="en-US" dirty="0"/>
               <a:pPr/>
-              <a:t>10/27/2021</a:t>
+              <a:t>11/23/2023</a:t>
             </a:fld>
             <a:endParaRPr lang="en-US" dirty="0"/>
           </a:p>
@@ -3177,7 +3209,7 @@
             <a:fld id="{87DE6118-2437-4B30-8E3C-4D2BE6020583}" type="datetimeFigureOut">
               <a:rPr lang="en-US" dirty="0"/>
               <a:pPr/>
-              <a:t>10/27/2021</a:t>
+              <a:t>11/23/2023</a:t>
             </a:fld>
             <a:endParaRPr lang="en-US" dirty="0"/>
           </a:p>
@@ -3452,7 +3484,7 @@
             <a:fld id="{87DE6118-2437-4B30-8E3C-4D2BE6020583}" type="datetimeFigureOut">
               <a:rPr lang="en-US" dirty="0"/>
               <a:pPr/>
-              <a:t>10/27/2021</a:t>
+              <a:t>11/23/2023</a:t>
             </a:fld>
             <a:endParaRPr lang="en-US" dirty="0"/>
           </a:p>
@@ -5035,7 +5067,15 @@
             </a:r>
             <a:r>
               <a:rPr lang="en-US" dirty="0" err="1"/>
-              <a:t>postilaatikko</a:t>
+              <a:t>postilaat</a:t>
+            </a:r>
+            <a:r>
+              <a:rPr lang="en-US" dirty="0"/>
+              <a:t>	</a:t>
+            </a:r>
+            <a:r>
+              <a:rPr lang="en-US" dirty="0" err="1"/>
+              <a:t>ikko</a:t>
             </a:r>
             <a:r>
               <a:rPr lang="en-US" dirty="0"/>
@@ -6080,7 +6120,7 @@
             </a:r>
             <a:r>
               <a:rPr lang="en-US" dirty="0"/>
-              <a:t> video. (</a:t>
+              <a:t> video. </a:t>
             </a:r>
             <a:r>
               <a:rPr lang="en-US" dirty="0" err="1"/>
@@ -6088,7 +6128,39 @@
             </a:r>
             <a:r>
               <a:rPr lang="en-US" dirty="0"/>
-              <a:t>. “Procrastination Ted Talk”)</a:t>
+              <a:t>. “Procrastination Ted Talk” (</a:t>
+            </a:r>
+            <a:r>
+              <a:rPr lang="en-US" dirty="0" err="1"/>
+              <a:t>tässä</a:t>
+            </a:r>
+            <a:r>
+              <a:rPr lang="en-US" dirty="0"/>
+              <a:t> </a:t>
+            </a:r>
+            <a:r>
+              <a:rPr lang="en-US" dirty="0" err="1"/>
+              <a:t>voi</a:t>
+            </a:r>
+            <a:r>
+              <a:rPr lang="en-US" dirty="0"/>
+              <a:t> </a:t>
+            </a:r>
+            <a:r>
+              <a:rPr lang="en-US" dirty="0" err="1"/>
+              <a:t>tarvita</a:t>
+            </a:r>
+            <a:r>
+              <a:rPr lang="en-US" dirty="0"/>
+              <a:t> </a:t>
+            </a:r>
+            <a:r>
+              <a:rPr lang="en-US" dirty="0" err="1"/>
+              <a:t>hiirtä</a:t>
+            </a:r>
+            <a:r>
+              <a:rPr lang="en-US" dirty="0"/>
+              <a:t>)</a:t>
             </a:r>
           </a:p>
           <a:p>
@@ -6235,6 +6307,10 @@
             <a:r>
               <a:rPr lang="en-US" dirty="0" err="1"/>
               <a:t>takaisin</a:t>
+            </a:r>
+            <a:r>
+              <a:rPr lang="en-US"/>
+              <a:t>	</a:t>
             </a:r>
             <a:endParaRPr lang="en-US" dirty="0"/>
           </a:p>
@@ -6512,6 +6588,21 @@
 </file>
 
 <file path=customXml/item1.xml><?xml version="1.0" encoding="utf-8"?>
+<p:properties xmlns:p="http://schemas.microsoft.com/office/2006/metadata/properties" xmlns:xsi="http://www.w3.org/2001/XMLSchema-instance" xmlns:pc="http://schemas.microsoft.com/office/infopath/2007/PartnerControls">
+  <documentManagement/>
+</p:properties>
+</file>
+
+<file path=customXml/item2.xml><?xml version="1.0" encoding="utf-8"?>
+<?mso-contentType ?>
+<FormTemplates xmlns="http://schemas.microsoft.com/sharepoint/v3/contenttype/forms">
+  <Display>DocumentLibraryForm</Display>
+  <Edit>DocumentLibraryForm</Edit>
+  <New>DocumentLibraryForm</New>
+</FormTemplates>
+</file>
+
+<file path=customXml/item3.xml><?xml version="1.0" encoding="utf-8"?>
 <ct:contentTypeSchema xmlns:ct="http://schemas.microsoft.com/office/2006/metadata/contentType" xmlns:ma="http://schemas.microsoft.com/office/2006/metadata/properties/metaAttributes" ct:_="" ma:_="" ma:contentTypeName="Document" ma:contentTypeID="0x01010057FD4753E50B0F49B6F66B03C34D4F30" ma:contentTypeVersion="11" ma:contentTypeDescription="Create a new document." ma:contentTypeScope="" ma:versionID="9466fca2d36990ca5a496bc96cde705d">
   <xsd:schema xmlns:xsd="http://www.w3.org/2001/XMLSchema" xmlns:xs="http://www.w3.org/2001/XMLSchema" xmlns:p="http://schemas.microsoft.com/office/2006/metadata/properties" xmlns:ns3="47c3eccc-8e0f-4563-a913-23722f66b7e3" xmlns:ns4="b491822b-b21e-4c71-8ff4-1c8017d6891e" targetNamespace="http://schemas.microsoft.com/office/2006/metadata/properties" ma:root="true" ma:fieldsID="e9e165ad57de2aa3f03314ea23ac94c0" ns3:_="" ns4:_="">
     <xsd:import namespace="47c3eccc-8e0f-4563-a913-23722f66b7e3"/>
@@ -6720,22 +6811,24 @@
 </ct:contentTypeSchema>
 </file>
 
-<file path=customXml/item2.xml><?xml version="1.0" encoding="utf-8"?>
-<?mso-contentType ?>
-<FormTemplates xmlns="http://schemas.microsoft.com/sharepoint/v3/contenttype/forms">
-  <Display>DocumentLibraryForm</Display>
-  <Edit>DocumentLibraryForm</Edit>
-  <New>DocumentLibraryForm</New>
-</FormTemplates>
+<file path=customXml/itemProps1.xml><?xml version="1.0" encoding="utf-8"?>
+<ds:datastoreItem xmlns:ds="http://schemas.openxmlformats.org/officeDocument/2006/customXml" ds:itemID="{BB8C4D56-DF7F-4D5F-A84B-2524525812F5}">
+  <ds:schemaRefs>
+    <ds:schemaRef ds:uri="http://schemas.microsoft.com/office/2006/metadata/properties"/>
+    <ds:schemaRef ds:uri="http://schemas.microsoft.com/office/infopath/2007/PartnerControls"/>
+  </ds:schemaRefs>
+</ds:datastoreItem>
 </file>
 
-<file path=customXml/item3.xml><?xml version="1.0" encoding="utf-8"?>
-<p:properties xmlns:p="http://schemas.microsoft.com/office/2006/metadata/properties" xmlns:xsi="http://www.w3.org/2001/XMLSchema-instance" xmlns:pc="http://schemas.microsoft.com/office/infopath/2007/PartnerControls">
-  <documentManagement/>
-</p:properties>
+<file path=customXml/itemProps2.xml><?xml version="1.0" encoding="utf-8"?>
+<ds:datastoreItem xmlns:ds="http://schemas.openxmlformats.org/officeDocument/2006/customXml" ds:itemID="{105D9D19-68B8-487F-882C-1D8ABB89089A}">
+  <ds:schemaRefs>
+    <ds:schemaRef ds:uri="http://schemas.microsoft.com/sharepoint/v3/contenttype/forms"/>
+  </ds:schemaRefs>
+</ds:datastoreItem>
 </file>
 
-<file path=customXml/itemProps1.xml><?xml version="1.0" encoding="utf-8"?>
+<file path=customXml/itemProps3.xml><?xml version="1.0" encoding="utf-8"?>
 <ds:datastoreItem xmlns:ds="http://schemas.openxmlformats.org/officeDocument/2006/customXml" ds:itemID="{4AAEC87A-DB00-441D-B734-8E499141B398}">
   <ds:schemaRefs>
     <ds:schemaRef ds:uri="http://schemas.microsoft.com/office/2006/metadata/contentType"/>
@@ -6752,21 +6845,4 @@
     <ds:schemaRef ds:uri="http://schemas.microsoft.com/internal/obd"/>
   </ds:schemaRefs>
 </ds:datastoreItem>
-</file>
-
-<file path=customXml/itemProps2.xml><?xml version="1.0" encoding="utf-8"?>
-<ds:datastoreItem xmlns:ds="http://schemas.openxmlformats.org/officeDocument/2006/customXml" ds:itemID="{105D9D19-68B8-487F-882C-1D8ABB89089A}">
-  <ds:schemaRefs>
-    <ds:schemaRef ds:uri="http://schemas.microsoft.com/sharepoint/v3/contenttype/forms"/>
-  </ds:schemaRefs>
-</ds:datastoreItem>
-</file>
-
-<file path=customXml/itemProps3.xml><?xml version="1.0" encoding="utf-8"?>
-<ds:datastoreItem xmlns:ds="http://schemas.openxmlformats.org/officeDocument/2006/customXml" ds:itemID="{BB8C4D56-DF7F-4D5F-A84B-2524525812F5}">
-  <ds:schemaRefs>
-    <ds:schemaRef ds:uri="http://schemas.microsoft.com/office/2006/metadata/properties"/>
-    <ds:schemaRef ds:uri="http://schemas.microsoft.com/office/infopath/2007/PartnerControls"/>
-  </ds:schemaRefs>
-</ds:datastoreItem>
 </file>
--- a/Useful_material/Excercises_in_Finnish.pptx
+++ b/Useful_material/Excercises_in_Finnish.pptx
@@ -171,6 +171,30 @@
     </pc:docChg>
   </pc:docChgLst>
   <pc:docChgLst>
+    <pc:chgData name="Miika Mäki" userId="1efa91841ca29674" providerId="LiveId" clId="{88D26420-4DB7-4DE1-AF75-AE85FA7A8642}"/>
+    <pc:docChg chg="modSld">
+      <pc:chgData name="Miika Mäki" userId="1efa91841ca29674" providerId="LiveId" clId="{88D26420-4DB7-4DE1-AF75-AE85FA7A8642}" dt="2024-01-15T13:49:31.128" v="70" actId="20577"/>
+      <pc:docMkLst>
+        <pc:docMk/>
+      </pc:docMkLst>
+      <pc:sldChg chg="modSp mod">
+        <pc:chgData name="Miika Mäki" userId="1efa91841ca29674" providerId="LiveId" clId="{88D26420-4DB7-4DE1-AF75-AE85FA7A8642}" dt="2024-01-15T13:49:31.128" v="70" actId="20577"/>
+        <pc:sldMkLst>
+          <pc:docMk/>
+          <pc:sldMk cId="2992233333" sldId="258"/>
+        </pc:sldMkLst>
+        <pc:spChg chg="mod">
+          <ac:chgData name="Miika Mäki" userId="1efa91841ca29674" providerId="LiveId" clId="{88D26420-4DB7-4DE1-AF75-AE85FA7A8642}" dt="2024-01-15T13:49:31.128" v="70" actId="20577"/>
+          <ac:spMkLst>
+            <pc:docMk/>
+            <pc:sldMk cId="2992233333" sldId="258"/>
+            <ac:spMk id="8" creationId="{D844DA20-EBEF-4E4C-B29A-5CC5329EBB4F}"/>
+          </ac:spMkLst>
+        </pc:spChg>
+      </pc:sldChg>
+    </pc:docChg>
+  </pc:docChgLst>
+  <pc:docChgLst>
     <pc:chgData name="Miika Mäki" userId="1efa91841ca29674" providerId="LiveId" clId="{98FAA534-8D99-4D83-BDC8-6BD70752C99B}"/>
     <pc:docChg chg="custSel modSld">
       <pc:chgData name="Miika Mäki" userId="1efa91841ca29674" providerId="LiveId" clId="{98FAA534-8D99-4D83-BDC8-6BD70752C99B}" dt="2023-11-23T10:03:58.421" v="47" actId="20577"/>
@@ -478,7 +502,7 @@
             <a:fld id="{87DE6118-2437-4B30-8E3C-4D2BE6020583}" type="datetimeFigureOut">
               <a:rPr lang="en-US" dirty="0"/>
               <a:pPr/>
-              <a:t>11/23/2023</a:t>
+              <a:t>1/15/2024</a:t>
             </a:fld>
             <a:endParaRPr lang="en-US" dirty="0"/>
           </a:p>
@@ -804,7 +828,7 @@
           <a:p>
             <a:fld id="{87DE6118-2437-4B30-8E3C-4D2BE6020583}" type="datetimeFigureOut">
               <a:rPr lang="en-US" dirty="0"/>
-              <a:t>11/23/2023</a:t>
+              <a:t>1/15/2024</a:t>
             </a:fld>
             <a:endParaRPr lang="en-US" dirty="0"/>
           </a:p>
@@ -979,7 +1003,7 @@
           <a:p>
             <a:fld id="{87DE6118-2437-4B30-8E3C-4D2BE6020583}" type="datetimeFigureOut">
               <a:rPr lang="en-US" dirty="0"/>
-              <a:t>11/23/2023</a:t>
+              <a:t>1/15/2024</a:t>
             </a:fld>
             <a:endParaRPr lang="en-US" dirty="0"/>
           </a:p>
@@ -1144,7 +1168,7 @@
           <a:p>
             <a:fld id="{87DE6118-2437-4B30-8E3C-4D2BE6020583}" type="datetimeFigureOut">
               <a:rPr lang="en-US" dirty="0"/>
-              <a:t>11/23/2023</a:t>
+              <a:t>1/15/2024</a:t>
             </a:fld>
             <a:endParaRPr lang="en-US" dirty="0"/>
           </a:p>
@@ -1417,7 +1441,7 @@
             <a:fld id="{87DE6118-2437-4B30-8E3C-4D2BE6020583}" type="datetimeFigureOut">
               <a:rPr lang="en-US" dirty="0"/>
               <a:pPr/>
-              <a:t>11/23/2023</a:t>
+              <a:t>1/15/2024</a:t>
             </a:fld>
             <a:endParaRPr lang="en-US" dirty="0"/>
           </a:p>
@@ -1807,7 +1831,7 @@
           <a:p>
             <a:fld id="{87DE6118-2437-4B30-8E3C-4D2BE6020583}" type="datetimeFigureOut">
               <a:rPr lang="en-US" dirty="0"/>
-              <a:t>11/23/2023</a:t>
+              <a:t>1/15/2024</a:t>
             </a:fld>
             <a:endParaRPr lang="en-US" dirty="0"/>
           </a:p>
@@ -2279,7 +2303,7 @@
           <a:p>
             <a:fld id="{87DE6118-2437-4B30-8E3C-4D2BE6020583}" type="datetimeFigureOut">
               <a:rPr lang="en-US" dirty="0"/>
-              <a:t>11/23/2023</a:t>
+              <a:t>1/15/2024</a:t>
             </a:fld>
             <a:endParaRPr lang="en-US" dirty="0"/>
           </a:p>
@@ -2392,7 +2416,7 @@
           <a:p>
             <a:fld id="{87DE6118-2437-4B30-8E3C-4D2BE6020583}" type="datetimeFigureOut">
               <a:rPr lang="en-US" dirty="0"/>
-              <a:t>11/23/2023</a:t>
+              <a:t>1/15/2024</a:t>
             </a:fld>
             <a:endParaRPr lang="en-US" dirty="0"/>
           </a:p>
@@ -2482,7 +2506,7 @@
           <a:p>
             <a:fld id="{87DE6118-2437-4B30-8E3C-4D2BE6020583}" type="datetimeFigureOut">
               <a:rPr lang="en-US" dirty="0"/>
-              <a:t>11/23/2023</a:t>
+              <a:t>1/15/2024</a:t>
             </a:fld>
             <a:endParaRPr lang="en-US" dirty="0"/>
           </a:p>
@@ -2824,7 +2848,7 @@
             <a:fld id="{87DE6118-2437-4B30-8E3C-4D2BE6020583}" type="datetimeFigureOut">
               <a:rPr lang="en-US" dirty="0"/>
               <a:pPr/>
-              <a:t>11/23/2023</a:t>
+              <a:t>1/15/2024</a:t>
             </a:fld>
             <a:endParaRPr lang="en-US" dirty="0"/>
           </a:p>
@@ -3209,7 +3233,7 @@
             <a:fld id="{87DE6118-2437-4B30-8E3C-4D2BE6020583}" type="datetimeFigureOut">
               <a:rPr lang="en-US" dirty="0"/>
               <a:pPr/>
-              <a:t>11/23/2023</a:t>
+              <a:t>1/15/2024</a:t>
             </a:fld>
             <a:endParaRPr lang="en-US" dirty="0"/>
           </a:p>
@@ -3484,7 +3508,7 @@
             <a:fld id="{87DE6118-2437-4B30-8E3C-4D2BE6020583}" type="datetimeFigureOut">
               <a:rPr lang="en-US" dirty="0"/>
               <a:pPr/>
-              <a:t>11/23/2023</a:t>
+              <a:t>1/15/2024</a:t>
             </a:fld>
             <a:endParaRPr lang="en-US" dirty="0"/>
           </a:p>
@@ -5136,12 +5160,8 @@
           </a:p>
           <a:p>
             <a:r>
-              <a:rPr lang="en-US" dirty="0" err="1"/>
-              <a:t>Avaa</a:t>
-            </a:r>
-            <a:r>
-              <a:rPr lang="en-US" dirty="0"/>
-              <a:t> </a:t>
+              <a:rPr lang="en-US" dirty="0"/>
+              <a:t>Avaa </a:t>
             </a:r>
             <a:r>
               <a:rPr lang="en-US" dirty="0" err="1"/>
@@ -5192,7 +5212,7 @@
             </a:r>
             <a:r>
               <a:rPr lang="en-US" i="1" dirty="0" err="1"/>
-              <a:t>tuplaklikkaus</a:t>
+              <a:t>saatat</a:t>
             </a:r>
             <a:r>
               <a:rPr lang="en-US" i="1" dirty="0"/>
@@ -5200,7 +5220,7 @@
             </a:r>
             <a:r>
               <a:rPr lang="en-US" i="1" dirty="0" err="1"/>
-              <a:t>hiirellä</a:t>
+              <a:t>tarvita</a:t>
             </a:r>
             <a:r>
               <a:rPr lang="en-US" i="1" dirty="0"/>
@@ -5208,7 +5228,7 @@
             </a:r>
             <a:r>
               <a:rPr lang="en-US" i="1" dirty="0" err="1"/>
-              <a:t>kätevin</a:t>
+              <a:t>hiirtä</a:t>
             </a:r>
             <a:r>
               <a:rPr lang="en-US" dirty="0"/>
@@ -6588,21 +6608,6 @@
 </file>
 
 <file path=customXml/item1.xml><?xml version="1.0" encoding="utf-8"?>
-<p:properties xmlns:p="http://schemas.microsoft.com/office/2006/metadata/properties" xmlns:xsi="http://www.w3.org/2001/XMLSchema-instance" xmlns:pc="http://schemas.microsoft.com/office/infopath/2007/PartnerControls">
-  <documentManagement/>
-</p:properties>
-</file>
-
-<file path=customXml/item2.xml><?xml version="1.0" encoding="utf-8"?>
-<?mso-contentType ?>
-<FormTemplates xmlns="http://schemas.microsoft.com/sharepoint/v3/contenttype/forms">
-  <Display>DocumentLibraryForm</Display>
-  <Edit>DocumentLibraryForm</Edit>
-  <New>DocumentLibraryForm</New>
-</FormTemplates>
-</file>
-
-<file path=customXml/item3.xml><?xml version="1.0" encoding="utf-8"?>
 <ct:contentTypeSchema xmlns:ct="http://schemas.microsoft.com/office/2006/metadata/contentType" xmlns:ma="http://schemas.microsoft.com/office/2006/metadata/properties/metaAttributes" ct:_="" ma:_="" ma:contentTypeName="Document" ma:contentTypeID="0x01010057FD4753E50B0F49B6F66B03C34D4F30" ma:contentTypeVersion="11" ma:contentTypeDescription="Create a new document." ma:contentTypeScope="" ma:versionID="9466fca2d36990ca5a496bc96cde705d">
   <xsd:schema xmlns:xsd="http://www.w3.org/2001/XMLSchema" xmlns:xs="http://www.w3.org/2001/XMLSchema" xmlns:p="http://schemas.microsoft.com/office/2006/metadata/properties" xmlns:ns3="47c3eccc-8e0f-4563-a913-23722f66b7e3" xmlns:ns4="b491822b-b21e-4c71-8ff4-1c8017d6891e" targetNamespace="http://schemas.microsoft.com/office/2006/metadata/properties" ma:root="true" ma:fieldsID="e9e165ad57de2aa3f03314ea23ac94c0" ns3:_="" ns4:_="">
     <xsd:import namespace="47c3eccc-8e0f-4563-a913-23722f66b7e3"/>
@@ -6811,24 +6816,22 @@
 </ct:contentTypeSchema>
 </file>
 
-<file path=customXml/itemProps1.xml><?xml version="1.0" encoding="utf-8"?>
-<ds:datastoreItem xmlns:ds="http://schemas.openxmlformats.org/officeDocument/2006/customXml" ds:itemID="{BB8C4D56-DF7F-4D5F-A84B-2524525812F5}">
-  <ds:schemaRefs>
-    <ds:schemaRef ds:uri="http://schemas.microsoft.com/office/2006/metadata/properties"/>
-    <ds:schemaRef ds:uri="http://schemas.microsoft.com/office/infopath/2007/PartnerControls"/>
-  </ds:schemaRefs>
-</ds:datastoreItem>
+<file path=customXml/item2.xml><?xml version="1.0" encoding="utf-8"?>
+<?mso-contentType ?>
+<FormTemplates xmlns="http://schemas.microsoft.com/sharepoint/v3/contenttype/forms">
+  <Display>DocumentLibraryForm</Display>
+  <Edit>DocumentLibraryForm</Edit>
+  <New>DocumentLibraryForm</New>
+</FormTemplates>
 </file>
 
-<file path=customXml/itemProps2.xml><?xml version="1.0" encoding="utf-8"?>
-<ds:datastoreItem xmlns:ds="http://schemas.openxmlformats.org/officeDocument/2006/customXml" ds:itemID="{105D9D19-68B8-487F-882C-1D8ABB89089A}">
-  <ds:schemaRefs>
-    <ds:schemaRef ds:uri="http://schemas.microsoft.com/sharepoint/v3/contenttype/forms"/>
-  </ds:schemaRefs>
-</ds:datastoreItem>
+<file path=customXml/item3.xml><?xml version="1.0" encoding="utf-8"?>
+<p:properties xmlns:p="http://schemas.microsoft.com/office/2006/metadata/properties" xmlns:xsi="http://www.w3.org/2001/XMLSchema-instance" xmlns:pc="http://schemas.microsoft.com/office/infopath/2007/PartnerControls">
+  <documentManagement/>
+</p:properties>
 </file>
 
-<file path=customXml/itemProps3.xml><?xml version="1.0" encoding="utf-8"?>
+<file path=customXml/itemProps1.xml><?xml version="1.0" encoding="utf-8"?>
 <ds:datastoreItem xmlns:ds="http://schemas.openxmlformats.org/officeDocument/2006/customXml" ds:itemID="{4AAEC87A-DB00-441D-B734-8E499141B398}">
   <ds:schemaRefs>
     <ds:schemaRef ds:uri="http://schemas.microsoft.com/office/2006/metadata/contentType"/>
@@ -6845,4 +6848,21 @@
     <ds:schemaRef ds:uri="http://schemas.microsoft.com/internal/obd"/>
   </ds:schemaRefs>
 </ds:datastoreItem>
+</file>
+
+<file path=customXml/itemProps2.xml><?xml version="1.0" encoding="utf-8"?>
+<ds:datastoreItem xmlns:ds="http://schemas.openxmlformats.org/officeDocument/2006/customXml" ds:itemID="{105D9D19-68B8-487F-882C-1D8ABB89089A}">
+  <ds:schemaRefs>
+    <ds:schemaRef ds:uri="http://schemas.microsoft.com/sharepoint/v3/contenttype/forms"/>
+  </ds:schemaRefs>
+</ds:datastoreItem>
+</file>
+
+<file path=customXml/itemProps3.xml><?xml version="1.0" encoding="utf-8"?>
+<ds:datastoreItem xmlns:ds="http://schemas.openxmlformats.org/officeDocument/2006/customXml" ds:itemID="{BB8C4D56-DF7F-4D5F-A84B-2524525812F5}">
+  <ds:schemaRefs>
+    <ds:schemaRef ds:uri="http://schemas.microsoft.com/office/2006/metadata/properties"/>
+    <ds:schemaRef ds:uri="http://schemas.microsoft.com/office/infopath/2007/PartnerControls"/>
+  </ds:schemaRefs>
+</ds:datastoreItem>
 </file>